--- a/Final_folder/Final Machine_Learning Project.pptx
+++ b/Final_folder/Final Machine_Learning Project.pptx
@@ -396,7 +396,7 @@
             <a:fld id="{5586B75A-687E-405C-8A0B-8D00578BA2C3}" type="datetimeFigureOut">
               <a:rPr lang="en-US" dirty="0"/>
               <a:pPr/>
-              <a:t>7/10/2020</a:t>
+              <a:t>7/11/2020</a:t>
             </a:fld>
             <a:endParaRPr lang="en-US" dirty="0"/>
           </a:p>
@@ -563,7 +563,7 @@
             <a:fld id="{5586B75A-687E-405C-8A0B-8D00578BA2C3}" type="datetimeFigureOut">
               <a:rPr lang="en-US" dirty="0"/>
               <a:pPr/>
-              <a:t>7/10/2020</a:t>
+              <a:t>7/11/2020</a:t>
             </a:fld>
             <a:endParaRPr lang="en-US" dirty="0"/>
           </a:p>
@@ -740,7 +740,7 @@
             <a:fld id="{5586B75A-687E-405C-8A0B-8D00578BA2C3}" type="datetimeFigureOut">
               <a:rPr lang="en-US" dirty="0"/>
               <a:pPr/>
-              <a:t>7/10/2020</a:t>
+              <a:t>7/11/2020</a:t>
             </a:fld>
             <a:endParaRPr lang="en-US" dirty="0"/>
           </a:p>
@@ -907,7 +907,7 @@
             <a:fld id="{5586B75A-687E-405C-8A0B-8D00578BA2C3}" type="datetimeFigureOut">
               <a:rPr lang="en-US" dirty="0"/>
               <a:pPr/>
-              <a:t>7/10/2020</a:t>
+              <a:t>7/11/2020</a:t>
             </a:fld>
             <a:endParaRPr lang="en-US" dirty="0"/>
           </a:p>
@@ -1162,7 +1162,7 @@
             <a:fld id="{5586B75A-687E-405C-8A0B-8D00578BA2C3}" type="datetimeFigureOut">
               <a:rPr lang="en-US" dirty="0"/>
               <a:pPr/>
-              <a:t>7/10/2020</a:t>
+              <a:t>7/11/2020</a:t>
             </a:fld>
             <a:endParaRPr lang="en-US" dirty="0"/>
           </a:p>
@@ -1447,7 +1447,7 @@
             <a:fld id="{5586B75A-687E-405C-8A0B-8D00578BA2C3}" type="datetimeFigureOut">
               <a:rPr lang="en-US" dirty="0"/>
               <a:pPr/>
-              <a:t>7/10/2020</a:t>
+              <a:t>7/11/2020</a:t>
             </a:fld>
             <a:endParaRPr lang="en-US" dirty="0"/>
           </a:p>
@@ -1886,7 +1886,7 @@
             <a:fld id="{5586B75A-687E-405C-8A0B-8D00578BA2C3}" type="datetimeFigureOut">
               <a:rPr lang="en-US" dirty="0"/>
               <a:pPr/>
-              <a:t>7/10/2020</a:t>
+              <a:t>7/11/2020</a:t>
             </a:fld>
             <a:endParaRPr lang="en-US" dirty="0"/>
           </a:p>
@@ -2001,7 +2001,7 @@
             <a:fld id="{5586B75A-687E-405C-8A0B-8D00578BA2C3}" type="datetimeFigureOut">
               <a:rPr lang="en-US" dirty="0"/>
               <a:pPr/>
-              <a:t>7/10/2020</a:t>
+              <a:t>7/11/2020</a:t>
             </a:fld>
             <a:endParaRPr lang="en-US" dirty="0"/>
           </a:p>
@@ -2093,7 +2093,7 @@
             <a:fld id="{5586B75A-687E-405C-8A0B-8D00578BA2C3}" type="datetimeFigureOut">
               <a:rPr lang="en-US" dirty="0"/>
               <a:pPr/>
-              <a:t>7/10/2020</a:t>
+              <a:t>7/11/2020</a:t>
             </a:fld>
             <a:endParaRPr lang="en-US" dirty="0"/>
           </a:p>
@@ -2378,7 +2378,7 @@
             <a:fld id="{5586B75A-687E-405C-8A0B-8D00578BA2C3}" type="datetimeFigureOut">
               <a:rPr lang="en-US" dirty="0"/>
               <a:pPr/>
-              <a:t>7/10/2020</a:t>
+              <a:t>7/11/2020</a:t>
             </a:fld>
             <a:endParaRPr lang="en-US" dirty="0"/>
           </a:p>
@@ -2647,7 +2647,7 @@
             <a:fld id="{5586B75A-687E-405C-8A0B-8D00578BA2C3}" type="datetimeFigureOut">
               <a:rPr lang="en-US" dirty="0"/>
               <a:pPr/>
-              <a:t>7/10/2020</a:t>
+              <a:t>7/11/2020</a:t>
             </a:fld>
             <a:endParaRPr lang="en-US" dirty="0"/>
           </a:p>
@@ -2941,7 +2941,7 @@
             <a:fld id="{5586B75A-687E-405C-8A0B-8D00578BA2C3}" type="datetimeFigureOut">
               <a:rPr lang="en-US" dirty="0"/>
               <a:pPr/>
-              <a:t>7/10/2020</a:t>
+              <a:t>7/11/2020</a:t>
             </a:fld>
             <a:endParaRPr lang="en-US" dirty="0"/>
           </a:p>
@@ -5187,7 +5187,7 @@
         </p:nvSpPr>
         <p:spPr>
           <a:xfrm>
-            <a:off x="3867912" y="868680"/>
+            <a:off x="3530560" y="0"/>
             <a:ext cx="7371218" cy="5120640"/>
           </a:xfrm>
         </p:spPr>
@@ -5223,6 +5223,8 @@
               </a:rPr>
               <a:t>The lasso procedure encourages simple, sparse models (i.e. models with fewer parameters).”</a:t>
             </a:r>
+          </a:p>
+          <a:p>
             <a:br>
               <a:rPr lang="en-US" dirty="0">
                 <a:solidFill>
@@ -5235,6 +5237,36 @@
           </a:p>
         </p:txBody>
       </p:sp>
+      <p:pic>
+        <p:nvPicPr>
+          <p:cNvPr id="6" name="Picture 5">
+            <a:extLst>
+              <a:ext uri="{FF2B5EF4-FFF2-40B4-BE49-F238E27FC236}">
+                <a16:creationId xmlns:a16="http://schemas.microsoft.com/office/drawing/2014/main" id="{E603FE60-BAED-425D-B781-DB1213B91F0A}"/>
+              </a:ext>
+            </a:extLst>
+          </p:cNvPr>
+          <p:cNvPicPr>
+            <a:picLocks noChangeAspect="1"/>
+          </p:cNvPicPr>
+          <p:nvPr/>
+        </p:nvPicPr>
+        <p:blipFill>
+          <a:blip r:embed="rId2"/>
+          <a:stretch>
+            <a:fillRect/>
+          </a:stretch>
+        </p:blipFill>
+        <p:spPr>
+          <a:xfrm>
+            <a:off x="4083728" y="3346882"/>
+            <a:ext cx="6684886" cy="2920753"/>
+          </a:xfrm>
+          <a:prstGeom prst="rect">
+            <a:avLst/>
+          </a:prstGeom>
+        </p:spPr>
+      </p:pic>
     </p:spTree>
     <p:extLst>
       <p:ext uri="{BB962C8B-B14F-4D97-AF65-F5344CB8AC3E}">
